--- a/dss5202/notes/MyGroupNo-Poster-template.pptx
+++ b/dss5202/notes/MyGroupNo-Poster-template.pptx
@@ -3513,12 +3513,12 @@
           <a:graphicData uri="http://schemas.openxmlformats.org/presentationml/2006/ole">
             <mc:AlternateContent xmlns:mc="http://schemas.openxmlformats.org/markup-compatibility/2006">
               <mc:Choice xmlns:v="urn:schemas-microsoft-com:vml" Requires="v">
-                <p:oleObj spid="_x0000_s1058" r:id="rId14" imgW="1514686" imgH="771429" progId="">
+                <p:oleObj r:id="rId13" imgW="1514686" imgH="771429" progId="">
                   <p:embed/>
                 </p:oleObj>
               </mc:Choice>
               <mc:Fallback>
-                <p:oleObj r:id="rId14" imgW="1514686" imgH="771429" progId="">
+                <p:oleObj r:id="rId13" imgW="1514686" imgH="771429" progId="">
                   <p:embed/>
                   <p:pic>
                     <p:nvPicPr>
@@ -3529,7 +3529,7 @@
                       <p:nvPr/>
                     </p:nvPicPr>
                     <p:blipFill>
-                      <a:blip r:embed="rId15">
+                      <a:blip r:embed="rId14">
                         <a:extLst>
                           <a:ext uri="{28A0092B-C50C-407E-A947-70E740481C1C}">
                             <a14:useLocalDpi xmlns:a14="http://schemas.microsoft.com/office/drawing/2010/main" val="0"/>
@@ -4080,7 +4080,17 @@
                 <a:latin typeface="Arial" panose="020B0604020202020204" pitchFamily="34" charset="0"/>
                 <a:cs typeface="Arial" panose="020B0604020202020204" pitchFamily="34" charset="0"/>
               </a:rPr>
-              <a:t>DSS5202 Sustainable Systems Analysis (2024)</a:t>
+              <a:t>DSS5202 Sustainable Systems Analysis </a:t>
+            </a:r>
+            <a:r>
+              <a:rPr lang="en-US" altLang="en-US" sz="2000">
+                <a:solidFill>
+                  <a:srgbClr val="000000"/>
+                </a:solidFill>
+                <a:latin typeface="Arial" panose="020B0604020202020204" pitchFamily="34" charset="0"/>
+                <a:cs typeface="Arial" panose="020B0604020202020204" pitchFamily="34" charset="0"/>
+              </a:rPr>
+              <a:t>(2025)</a:t>
             </a:r>
             <a:br>
               <a:rPr lang="en-US" altLang="en-US" sz="2000" dirty="0">

--- a/dss5202/notes/MyGroupNo-Poster-template.pptx
+++ b/dss5202/notes/MyGroupNo-Poster-template.pptx
@@ -3272,7 +3272,7 @@
           <a:p>
             <a:pPr lvl="4"/>
             <a:r>
-              <a:rPr lang="en-US" altLang="en-US"/>
+              <a:rPr lang="en-US" altLang="en-US" dirty="0"/>
               <a:t>Fifth level</a:t>
             </a:r>
           </a:p>
@@ -3492,7 +3492,7 @@
                 </a:solidFill>
                 <a:latin typeface="Times New Roman" panose="02020603050405020304" pitchFamily="18" charset="0"/>
               </a:rPr>
-              <a:t>Industrial Systems Engineering &amp; Management</a:t>
+              <a:t>Sustainable Systems Analysis</a:t>
             </a:r>
           </a:p>
         </p:txBody>
@@ -4080,17 +4080,7 @@
                 <a:latin typeface="Arial" panose="020B0604020202020204" pitchFamily="34" charset="0"/>
                 <a:cs typeface="Arial" panose="020B0604020202020204" pitchFamily="34" charset="0"/>
               </a:rPr>
-              <a:t>DSS5202 Sustainable Systems Analysis </a:t>
-            </a:r>
-            <a:r>
-              <a:rPr lang="en-US" altLang="en-US" sz="2000">
-                <a:solidFill>
-                  <a:srgbClr val="000000"/>
-                </a:solidFill>
-                <a:latin typeface="Arial" panose="020B0604020202020204" pitchFamily="34" charset="0"/>
-                <a:cs typeface="Arial" panose="020B0604020202020204" pitchFamily="34" charset="0"/>
-              </a:rPr>
-              <a:t>(2025)</a:t>
+              <a:t>DSS5202 Sustainable Systems Analysis (2025)</a:t>
             </a:r>
             <a:br>
               <a:rPr lang="en-US" altLang="en-US" sz="2000" dirty="0">
